--- a/은아/K-해커톤 ppt.pptx
+++ b/은아/K-해커톤 ppt.pptx
@@ -281,7 +281,7 @@
           <a:p>
             <a:fld id="{C4C536E3-4E16-4D7B-AC6B-947826917CC6}" type="datetimeFigureOut">
               <a:rPr lang="ko-KR" altLang="en-US" smtClean="0"/>
-              <a:t>2023-07-01</a:t>
+              <a:t>2023-07-03</a:t>
             </a:fld>
             <a:endParaRPr lang="ko-KR" altLang="en-US"/>
           </a:p>
@@ -479,7 +479,7 @@
           <a:p>
             <a:fld id="{C4C536E3-4E16-4D7B-AC6B-947826917CC6}" type="datetimeFigureOut">
               <a:rPr lang="ko-KR" altLang="en-US" smtClean="0"/>
-              <a:t>2023-07-01</a:t>
+              <a:t>2023-07-03</a:t>
             </a:fld>
             <a:endParaRPr lang="ko-KR" altLang="en-US"/>
           </a:p>
@@ -687,7 +687,7 @@
           <a:p>
             <a:fld id="{C4C536E3-4E16-4D7B-AC6B-947826917CC6}" type="datetimeFigureOut">
               <a:rPr lang="ko-KR" altLang="en-US" smtClean="0"/>
-              <a:t>2023-07-01</a:t>
+              <a:t>2023-07-03</a:t>
             </a:fld>
             <a:endParaRPr lang="ko-KR" altLang="en-US"/>
           </a:p>
@@ -885,7 +885,7 @@
           <a:p>
             <a:fld id="{C4C536E3-4E16-4D7B-AC6B-947826917CC6}" type="datetimeFigureOut">
               <a:rPr lang="ko-KR" altLang="en-US" smtClean="0"/>
-              <a:t>2023-07-01</a:t>
+              <a:t>2023-07-03</a:t>
             </a:fld>
             <a:endParaRPr lang="ko-KR" altLang="en-US"/>
           </a:p>
@@ -1160,7 +1160,7 @@
           <a:p>
             <a:fld id="{C4C536E3-4E16-4D7B-AC6B-947826917CC6}" type="datetimeFigureOut">
               <a:rPr lang="ko-KR" altLang="en-US" smtClean="0"/>
-              <a:t>2023-07-01</a:t>
+              <a:t>2023-07-03</a:t>
             </a:fld>
             <a:endParaRPr lang="ko-KR" altLang="en-US"/>
           </a:p>
@@ -1425,7 +1425,7 @@
           <a:p>
             <a:fld id="{C4C536E3-4E16-4D7B-AC6B-947826917CC6}" type="datetimeFigureOut">
               <a:rPr lang="ko-KR" altLang="en-US" smtClean="0"/>
-              <a:t>2023-07-01</a:t>
+              <a:t>2023-07-03</a:t>
             </a:fld>
             <a:endParaRPr lang="ko-KR" altLang="en-US"/>
           </a:p>
@@ -1837,7 +1837,7 @@
           <a:p>
             <a:fld id="{C4C536E3-4E16-4D7B-AC6B-947826917CC6}" type="datetimeFigureOut">
               <a:rPr lang="ko-KR" altLang="en-US" smtClean="0"/>
-              <a:t>2023-07-01</a:t>
+              <a:t>2023-07-03</a:t>
             </a:fld>
             <a:endParaRPr lang="ko-KR" altLang="en-US"/>
           </a:p>
@@ -1978,7 +1978,7 @@
           <a:p>
             <a:fld id="{C4C536E3-4E16-4D7B-AC6B-947826917CC6}" type="datetimeFigureOut">
               <a:rPr lang="ko-KR" altLang="en-US" smtClean="0"/>
-              <a:t>2023-07-01</a:t>
+              <a:t>2023-07-03</a:t>
             </a:fld>
             <a:endParaRPr lang="ko-KR" altLang="en-US"/>
           </a:p>
@@ -2091,7 +2091,7 @@
           <a:p>
             <a:fld id="{C4C536E3-4E16-4D7B-AC6B-947826917CC6}" type="datetimeFigureOut">
               <a:rPr lang="ko-KR" altLang="en-US" smtClean="0"/>
-              <a:t>2023-07-01</a:t>
+              <a:t>2023-07-03</a:t>
             </a:fld>
             <a:endParaRPr lang="ko-KR" altLang="en-US"/>
           </a:p>
@@ -2402,7 +2402,7 @@
           <a:p>
             <a:fld id="{C4C536E3-4E16-4D7B-AC6B-947826917CC6}" type="datetimeFigureOut">
               <a:rPr lang="ko-KR" altLang="en-US" smtClean="0"/>
-              <a:t>2023-07-01</a:t>
+              <a:t>2023-07-03</a:t>
             </a:fld>
             <a:endParaRPr lang="ko-KR" altLang="en-US"/>
           </a:p>
@@ -2690,7 +2690,7 @@
           <a:p>
             <a:fld id="{C4C536E3-4E16-4D7B-AC6B-947826917CC6}" type="datetimeFigureOut">
               <a:rPr lang="ko-KR" altLang="en-US" smtClean="0"/>
-              <a:t>2023-07-01</a:t>
+              <a:t>2023-07-03</a:t>
             </a:fld>
             <a:endParaRPr lang="ko-KR" altLang="en-US"/>
           </a:p>
@@ -2931,7 +2931,7 @@
           <a:p>
             <a:fld id="{C4C536E3-4E16-4D7B-AC6B-947826917CC6}" type="datetimeFigureOut">
               <a:rPr lang="ko-KR" altLang="en-US" smtClean="0"/>
-              <a:t>2023-07-01</a:t>
+              <a:t>2023-07-03</a:t>
             </a:fld>
             <a:endParaRPr lang="ko-KR" altLang="en-US"/>
           </a:p>
@@ -3337,7 +3337,7 @@
     <p:bg>
       <p:bgPr>
         <a:solidFill>
-          <a:srgbClr val="181818"/>
+          <a:srgbClr val="282828"/>
         </a:solidFill>
         <a:effectLst/>
       </p:bgPr>
@@ -6390,7 +6390,7 @@
     <p:bg>
       <p:bgPr>
         <a:solidFill>
-          <a:srgbClr val="181818"/>
+          <a:srgbClr val="282828"/>
         </a:solidFill>
         <a:effectLst/>
       </p:bgPr>
@@ -7863,10 +7863,10 @@
       </p:sp>
       <p:pic>
         <p:nvPicPr>
-          <p:cNvPr id="37" name="그림 36">
+          <p:cNvPr id="5" name="그림 4">
             <a:extLst>
               <a:ext uri="{FF2B5EF4-FFF2-40B4-BE49-F238E27FC236}">
-                <a16:creationId xmlns:a16="http://schemas.microsoft.com/office/drawing/2014/main" id="{9C0DAD63-731C-6305-F8EE-76733E666723}"/>
+                <a16:creationId xmlns:a16="http://schemas.microsoft.com/office/drawing/2014/main" id="{76C71FAD-99AB-4C92-E320-D26BAA5574AD}"/>
               </a:ext>
             </a:extLst>
           </p:cNvPr>
@@ -7882,23 +7882,23 @@
                 <a14:imgProps xmlns:a14="http://schemas.microsoft.com/office/drawing/2010/main">
                   <a14:imgLayer r:embed="rId3">
                     <a14:imgEffect>
-                      <a14:backgroundRemoval t="9390" b="95305" l="9453" r="89055">
-                        <a14:foregroundMark x1="41809" y1="91109" x2="42289" y2="91080"/>
-                        <a14:foregroundMark x1="26866" y1="92019" x2="40376" y2="91196"/>
-                        <a14:foregroundMark x1="31841" y1="93427" x2="43131" y2="95280"/>
-                        <a14:backgroundMark x1="43284" y1="95775" x2="43284" y2="95775"/>
-                        <a14:backgroundMark x1="40796" y1="97653" x2="40796" y2="97653"/>
-                        <a14:backgroundMark x1="42786" y1="97653" x2="44279" y2="96714"/>
-                        <a14:backgroundMark x1="44279" y1="96244" x2="44279" y2="96244"/>
-                        <a14:backgroundMark x1="43781" y1="96244" x2="43781" y2="96244"/>
-                        <a14:backgroundMark x1="43781" y1="96244" x2="43781" y2="96244"/>
-                        <a14:backgroundMark x1="43781" y1="96244" x2="43781" y2="96244"/>
-                        <a14:backgroundMark x1="43781" y1="96244" x2="43781" y2="96244"/>
-                        <a14:backgroundMark x1="45274" y1="96244" x2="43781" y2="96244"/>
-                        <a14:backgroundMark x1="42786" y1="96244" x2="42786" y2="96244"/>
-                        <a14:backgroundMark x1="42786" y1="96244" x2="45771" y2="95305"/>
-                        <a14:backgroundMark x1="46766" y1="94366" x2="50249" y2="92958"/>
-                        <a14:backgroundMark x1="50746" y1="92958" x2="50746" y2="92958"/>
+                      <a14:backgroundRemoval t="9976" b="93917" l="9934" r="89845">
+                        <a14:foregroundMark x1="59161" y1="45985" x2="52759" y2="59367"/>
+                        <a14:foregroundMark x1="24283" y1="89781" x2="34007" y2="93034"/>
+                        <a14:foregroundMark x1="34073" y1="93149" x2="26049" y2="90754"/>
+                        <a14:foregroundMark x1="49448" y1="13139" x2="62252" y2="14842"/>
+                        <a14:foregroundMark x1="62252" y1="14842" x2="65784" y2="16545"/>
+                        <a14:backgroundMark x1="32892" y1="70560" x2="32892" y2="70560"/>
+                        <a14:backgroundMark x1="32671" y1="70073" x2="32671" y2="70073"/>
+                        <a14:backgroundMark x1="33775" y1="71533" x2="33775" y2="71533"/>
+                        <a14:backgroundMark x1="41722" y1="75426" x2="41722" y2="75426"/>
+                        <a14:backgroundMark x1="36645" y1="94404" x2="36645" y2="94404"/>
+                        <a14:backgroundMark x1="37307" y1="93187" x2="36424" y2="93187"/>
+                        <a14:backgroundMark x1="35982" y1="93917" x2="35982" y2="93917"/>
+                        <a14:backgroundMark x1="36645" y1="93917" x2="36645" y2="93917"/>
+                        <a14:backgroundMark x1="35762" y1="93674" x2="35762" y2="93674"/>
+                        <a14:backgroundMark x1="36865" y1="93431" x2="35320" y2="93431"/>
+                        <a14:backgroundMark x1="36203" y1="94161" x2="34658" y2="94161"/>
                       </a14:backgroundRemoval>
                     </a14:imgEffect>
                   </a14:imgLayer>
@@ -7912,8 +7912,8 @@
         </p:blipFill>
         <p:spPr>
           <a:xfrm>
-            <a:off x="5190547" y="2469491"/>
-            <a:ext cx="1810905" cy="1919019"/>
+            <a:off x="4767639" y="2239021"/>
+            <a:ext cx="2878979" cy="2612054"/>
           </a:xfrm>
           <a:prstGeom prst="rect">
             <a:avLst/>
